--- a/API Security Challenge.pptx
+++ b/API Security Challenge.pptx
@@ -17543,7 +17543,7 @@
         </p:nvSpPr>
         <p:spPr>
           <a:xfrm flipH="1">
-            <a:off x="269048" y="1511094"/>
+            <a:off x="6657" y="1511094"/>
             <a:ext cx="3916437" cy="1456267"/>
           </a:xfrm>
           <a:prstGeom prst="rect">
@@ -17929,7 +17929,7 @@
         </p:nvSpPr>
         <p:spPr>
           <a:xfrm flipH="1">
-            <a:off x="-2151075" y="4457241"/>
+            <a:off x="-2000002" y="4457241"/>
             <a:ext cx="6828021" cy="1456267"/>
           </a:xfrm>
           <a:prstGeom prst="rect">
@@ -18688,150 +18688,6 @@
           <a:chExt cx="0" cy="0"/>
         </a:xfrm>
       </p:grpSpPr>
-      <p:pic>
-        <p:nvPicPr>
-          <p:cNvPr id="2052" name="Picture 4">
-            <a:extLst>
-              <a:ext uri="{FF2B5EF4-FFF2-40B4-BE49-F238E27FC236}">
-                <a16:creationId xmlns:a16="http://schemas.microsoft.com/office/drawing/2014/main" id="{9231C016-ACA0-0BCF-6202-57634019D8F3}"/>
-              </a:ext>
-            </a:extLst>
-          </p:cNvPr>
-          <p:cNvPicPr>
-            <a:picLocks noChangeAspect="1" noChangeArrowheads="1"/>
-          </p:cNvPicPr>
-          <p:nvPr/>
-        </p:nvPicPr>
-        <p:blipFill>
-          <a:blip r:embed="rId3">
-            <a:alphaModFix amt="82000"/>
-            <a:extLst>
-              <a:ext uri="{28A0092B-C50C-407E-A947-70E740481C1C}">
-                <a14:useLocalDpi xmlns:a14="http://schemas.microsoft.com/office/drawing/2010/main" val="0"/>
-              </a:ext>
-            </a:extLst>
-          </a:blip>
-          <a:srcRect/>
-          <a:stretch>
-            <a:fillRect/>
-          </a:stretch>
-        </p:blipFill>
-        <p:spPr bwMode="auto">
-          <a:xfrm>
-            <a:off x="284085" y="386494"/>
-            <a:ext cx="5564280" cy="3037484"/>
-          </a:xfrm>
-          <a:prstGeom prst="rect">
-            <a:avLst/>
-          </a:prstGeom>
-          <a:noFill/>
-          <a:extLst>
-            <a:ext uri="{909E8E84-426E-40DD-AFC4-6F175D3DCCD1}">
-              <a14:hiddenFill xmlns:a14="http://schemas.microsoft.com/office/drawing/2010/main">
-                <a:solidFill>
-                  <a:srgbClr val="FFFFFF"/>
-                </a:solidFill>
-              </a14:hiddenFill>
-            </a:ext>
-          </a:extLst>
-        </p:spPr>
-      </p:pic>
-      <p:pic>
-        <p:nvPicPr>
-          <p:cNvPr id="2054" name="Picture 6">
-            <a:extLst>
-              <a:ext uri="{FF2B5EF4-FFF2-40B4-BE49-F238E27FC236}">
-                <a16:creationId xmlns:a16="http://schemas.microsoft.com/office/drawing/2014/main" id="{801395D6-7039-1BB8-68D8-E7F63C79F81F}"/>
-              </a:ext>
-            </a:extLst>
-          </p:cNvPr>
-          <p:cNvPicPr>
-            <a:picLocks noChangeAspect="1" noChangeArrowheads="1"/>
-          </p:cNvPicPr>
-          <p:nvPr/>
-        </p:nvPicPr>
-        <p:blipFill>
-          <a:blip r:embed="rId4">
-            <a:alphaModFix amt="82000"/>
-            <a:extLst>
-              <a:ext uri="{28A0092B-C50C-407E-A947-70E740481C1C}">
-                <a14:useLocalDpi xmlns:a14="http://schemas.microsoft.com/office/drawing/2010/main" val="0"/>
-              </a:ext>
-            </a:extLst>
-          </a:blip>
-          <a:srcRect/>
-          <a:stretch>
-            <a:fillRect/>
-          </a:stretch>
-        </p:blipFill>
-        <p:spPr bwMode="auto">
-          <a:xfrm>
-            <a:off x="6435303" y="3571289"/>
-            <a:ext cx="5564279" cy="3037484"/>
-          </a:xfrm>
-          <a:prstGeom prst="rect">
-            <a:avLst/>
-          </a:prstGeom>
-          <a:noFill/>
-          <a:extLst>
-            <a:ext uri="{909E8E84-426E-40DD-AFC4-6F175D3DCCD1}">
-              <a14:hiddenFill xmlns:a14="http://schemas.microsoft.com/office/drawing/2010/main">
-                <a:solidFill>
-                  <a:srgbClr val="FFFFFF"/>
-                </a:solidFill>
-              </a14:hiddenFill>
-            </a:ext>
-          </a:extLst>
-        </p:spPr>
-      </p:pic>
-      <p:pic>
-        <p:nvPicPr>
-          <p:cNvPr id="2056" name="Picture 8">
-            <a:extLst>
-              <a:ext uri="{FF2B5EF4-FFF2-40B4-BE49-F238E27FC236}">
-                <a16:creationId xmlns:a16="http://schemas.microsoft.com/office/drawing/2014/main" id="{237FE2F0-DB98-727B-49CE-6DA3CAEB4727}"/>
-              </a:ext>
-            </a:extLst>
-          </p:cNvPr>
-          <p:cNvPicPr>
-            <a:picLocks noChangeAspect="1" noChangeArrowheads="1"/>
-          </p:cNvPicPr>
-          <p:nvPr/>
-        </p:nvPicPr>
-        <p:blipFill>
-          <a:blip r:embed="rId4">
-            <a:alphaModFix amt="82000"/>
-            <a:extLst>
-              <a:ext uri="{28A0092B-C50C-407E-A947-70E740481C1C}">
-                <a14:useLocalDpi xmlns:a14="http://schemas.microsoft.com/office/drawing/2010/main" val="0"/>
-              </a:ext>
-            </a:extLst>
-          </a:blip>
-          <a:srcRect/>
-          <a:stretch>
-            <a:fillRect/>
-          </a:stretch>
-        </p:blipFill>
-        <p:spPr bwMode="auto">
-          <a:xfrm>
-            <a:off x="258609" y="3673929"/>
-            <a:ext cx="5706757" cy="3115261"/>
-          </a:xfrm>
-          <a:prstGeom prst="rect">
-            <a:avLst/>
-          </a:prstGeom>
-          <a:noFill/>
-          <a:extLst>
-            <a:ext uri="{909E8E84-426E-40DD-AFC4-6F175D3DCCD1}">
-              <a14:hiddenFill xmlns:a14="http://schemas.microsoft.com/office/drawing/2010/main">
-                <a:solidFill>
-                  <a:srgbClr val="FFFFFF"/>
-                </a:solidFill>
-              </a14:hiddenFill>
-            </a:ext>
-          </a:extLst>
-        </p:spPr>
-      </p:pic>
       <p:sp>
         <p:nvSpPr>
           <p:cNvPr id="6" name="תיבת טקסט 5">
@@ -18862,7 +18718,7 @@
           <a:p>
             <a:r>
               <a:rPr lang="he-IL" dirty="0"/>
-              <a:t>אפילו שוויזואלית קל מאוד לזהות את האנומליות, המודל שלנו עדיין לא הצליח לזהות אותם מצורה מספקת אז היינו צריכים לחשוב מה להוסיף.</a:t>
+              <a:t>אפילו שוויזואלית קל מאוד לזהות את האנומליות, המודל שלנו עדיין לא הצליח לזהות אותם בצורה מספקת אז היינו צריכים לחשוב מה להוסיף.</a:t>
             </a:r>
           </a:p>
         </p:txBody>
@@ -18881,8 +18737,8 @@
         </p:nvSpPr>
         <p:spPr>
           <a:xfrm>
-            <a:off x="338055" y="52535"/>
-            <a:ext cx="6097248" cy="369332"/>
+            <a:off x="6013826" y="23853"/>
+            <a:ext cx="6086599" cy="307777"/>
           </a:xfrm>
           <a:prstGeom prst="rect">
             <a:avLst/>
@@ -18896,10 +18752,10 @@
           <a:lstStyle/>
           <a:p>
             <a:r>
-              <a:rPr lang="en-US" sz="1800" dirty="0"/>
+              <a:rPr lang="en-US" sz="1400" dirty="0"/>
               <a:t>log4j</a:t>
             </a:r>
-            <a:endParaRPr lang="he-IL" sz="1800" dirty="0"/>
+            <a:endParaRPr lang="he-IL" sz="1400" dirty="0"/>
           </a:p>
         </p:txBody>
       </p:sp>
@@ -18933,7 +18789,7 @@
           <a:p>
             <a:r>
               <a:rPr lang="he-IL" dirty="0"/>
-              <a:t>האנומליות שזיהנו היו בעמודות:</a:t>
+              <a:t>האנומליות שזיהנו היו בפיצ'רים הבאים - </a:t>
             </a:r>
           </a:p>
         </p:txBody>
@@ -18947,12 +18803,62 @@
               </a:ext>
             </a:extLst>
           </p:cNvPr>
-          <p:cNvSpPr txBox="1"/>
+          <p:cNvSpPr txBox="1">
+            <a:spLocks noGrp="1" noRot="1" noMove="1" noResize="1" noEditPoints="1" noAdjustHandles="1" noChangeArrowheads="1" noChangeShapeType="1"/>
+          </p:cNvSpPr>
           <p:nvPr/>
         </p:nvSpPr>
         <p:spPr>
           <a:xfrm>
-            <a:off x="5586704" y="2640380"/>
+            <a:off x="953980" y="3322286"/>
+            <a:ext cx="3128655" cy="369332"/>
+          </a:xfrm>
+          <a:prstGeom prst="rect">
+            <a:avLst/>
+          </a:prstGeom>
+          <a:noFill/>
+        </p:spPr>
+        <p:txBody>
+          <a:bodyPr wrap="square">
+            <a:spAutoFit/>
+          </a:bodyPr>
+          <a:lstStyle/>
+          <a:p>
+            <a:r>
+              <a:rPr lang="en-US" dirty="0" err="1">
+                <a:latin typeface="Ariel"/>
+              </a:rPr>
+              <a:t>request.headers.Sec</a:t>
+            </a:r>
+            <a:r>
+              <a:rPr lang="en-US" dirty="0">
+                <a:latin typeface="Ariel"/>
+              </a:rPr>
+              <a:t>-Fetch-Site</a:t>
+            </a:r>
+            <a:endParaRPr lang="he-IL" dirty="0">
+              <a:latin typeface="Ariel"/>
+            </a:endParaRPr>
+          </a:p>
+        </p:txBody>
+      </p:sp>
+      <p:sp>
+        <p:nvSpPr>
+          <p:cNvPr id="12" name="תיבת טקסט 11">
+            <a:extLst>
+              <a:ext uri="{FF2B5EF4-FFF2-40B4-BE49-F238E27FC236}">
+                <a16:creationId xmlns:a16="http://schemas.microsoft.com/office/drawing/2014/main" id="{1AD48368-49AC-244F-43BC-F111DFCC4A42}"/>
+              </a:ext>
+            </a:extLst>
+          </p:cNvPr>
+          <p:cNvSpPr txBox="1">
+            <a:spLocks noGrp="1" noRot="1" noMove="1" noResize="1" noEditPoints="1" noAdjustHandles="1" noChangeArrowheads="1" noChangeShapeType="1"/>
+          </p:cNvSpPr>
+          <p:nvPr/>
+        </p:nvSpPr>
+        <p:spPr>
+          <a:xfrm>
+            <a:off x="-941614" y="77567"/>
             <a:ext cx="6097554" cy="369332"/>
           </a:xfrm>
           <a:prstGeom prst="rect">
@@ -18967,6 +18873,12 @@
           <a:lstStyle/>
           <a:p>
             <a:r>
+              <a:rPr lang="he-IL" dirty="0">
+                <a:latin typeface="Ariel"/>
+              </a:rPr>
+              <a:t> </a:t>
+            </a:r>
+            <a:r>
               <a:rPr lang="en-US" dirty="0" err="1">
                 <a:latin typeface="Ariel"/>
               </a:rPr>
@@ -18976,7 +18888,13 @@
               <a:rPr lang="en-US" dirty="0">
                 <a:latin typeface="Ariel"/>
               </a:rPr>
-              <a:t>-Fetch-Site</a:t>
+              <a:t>-Fetch-</a:t>
+            </a:r>
+            <a:r>
+              <a:rPr lang="en-US" dirty="0" err="1">
+                <a:latin typeface="Ariel"/>
+              </a:rPr>
+              <a:t>Dest</a:t>
             </a:r>
             <a:endParaRPr lang="he-IL" dirty="0">
               <a:latin typeface="Ariel"/>
@@ -18986,19 +18904,21 @@
       </p:sp>
       <p:sp>
         <p:nvSpPr>
-          <p:cNvPr id="12" name="תיבת טקסט 11">
+          <p:cNvPr id="13" name="תיבת טקסט 12">
             <a:extLst>
               <a:ext uri="{FF2B5EF4-FFF2-40B4-BE49-F238E27FC236}">
-                <a16:creationId xmlns:a16="http://schemas.microsoft.com/office/drawing/2014/main" id="{1AD48368-49AC-244F-43BC-F111DFCC4A42}"/>
+                <a16:creationId xmlns:a16="http://schemas.microsoft.com/office/drawing/2014/main" id="{9D41A150-DE39-EC5B-9775-C0A2CCA1CDC9}"/>
               </a:ext>
             </a:extLst>
           </p:cNvPr>
-          <p:cNvSpPr txBox="1"/>
+          <p:cNvSpPr txBox="1">
+            <a:spLocks noGrp="1" noRot="1" noMove="1" noResize="1" noEditPoints="1" noAdjustHandles="1" noChangeArrowheads="1" noChangeShapeType="1"/>
+          </p:cNvSpPr>
           <p:nvPr/>
         </p:nvSpPr>
         <p:spPr>
           <a:xfrm>
-            <a:off x="-1493675" y="40241"/>
+            <a:off x="4603879" y="3255427"/>
             <a:ext cx="6097554" cy="369332"/>
           </a:xfrm>
           <a:prstGeom prst="rect">
@@ -19013,28 +18933,16 @@
           <a:lstStyle/>
           <a:p>
             <a:r>
-              <a:rPr lang="he-IL" dirty="0">
-                <a:latin typeface="Ariel"/>
-              </a:rPr>
-              <a:t> </a:t>
-            </a:r>
-            <a:r>
               <a:rPr lang="en-US" dirty="0" err="1">
                 <a:latin typeface="Ariel"/>
               </a:rPr>
-              <a:t>request.headers.Sec</a:t>
+              <a:t>request.headers</a:t>
             </a:r>
             <a:r>
               <a:rPr lang="en-US" dirty="0">
                 <a:latin typeface="Ariel"/>
               </a:rPr>
-              <a:t>-Fetch-</a:t>
-            </a:r>
-            <a:r>
-              <a:rPr lang="en-US" dirty="0" err="1">
-                <a:latin typeface="Ariel"/>
-              </a:rPr>
-              <a:t>Dest</a:t>
+              <a:t>. Accept-Encoding</a:t>
             </a:r>
             <a:endParaRPr lang="he-IL" dirty="0">
               <a:latin typeface="Ariel"/>
@@ -19042,52 +18950,145 @@
           </a:p>
         </p:txBody>
       </p:sp>
-      <p:sp>
-        <p:nvSpPr>
-          <p:cNvPr id="13" name="תיבת טקסט 12">
+      <p:pic>
+        <p:nvPicPr>
+          <p:cNvPr id="4098" name="Picture 2">
             <a:extLst>
               <a:ext uri="{FF2B5EF4-FFF2-40B4-BE49-F238E27FC236}">
-                <a16:creationId xmlns:a16="http://schemas.microsoft.com/office/drawing/2014/main" id="{9D41A150-DE39-EC5B-9775-C0A2CCA1CDC9}"/>
+                <a16:creationId xmlns:a16="http://schemas.microsoft.com/office/drawing/2014/main" id="{D8F652B9-490C-8DD6-5AF3-DFBC29886291}"/>
               </a:ext>
             </a:extLst>
           </p:cNvPr>
-          <p:cNvSpPr txBox="1"/>
+          <p:cNvPicPr>
+            <a:picLocks noGrp="1" noRot="1" noChangeAspect="1" noMove="1" noResize="1" noEditPoints="1" noAdjustHandles="1" noChangeArrowheads="1" noChangeShapeType="1" noCrop="1"/>
+          </p:cNvPicPr>
           <p:nvPr/>
-        </p:nvSpPr>
-        <p:spPr>
+        </p:nvPicPr>
+        <p:blipFill>
+          <a:blip r:embed="rId3">
+            <a:extLst>
+              <a:ext uri="{28A0092B-C50C-407E-A947-70E740481C1C}">
+                <a14:useLocalDpi xmlns:a14="http://schemas.microsoft.com/office/drawing/2010/main" val="0"/>
+              </a:ext>
+            </a:extLst>
+          </a:blip>
+          <a:srcRect/>
+          <a:stretch>
+            <a:fillRect/>
+          </a:stretch>
+        </p:blipFill>
+        <p:spPr bwMode="auto">
           <a:xfrm>
-            <a:off x="-1493675" y="3363573"/>
-            <a:ext cx="6097554" cy="369332"/>
+            <a:off x="338055" y="3675168"/>
+            <a:ext cx="5197340" cy="2883196"/>
           </a:xfrm>
           <a:prstGeom prst="rect">
             <a:avLst/>
           </a:prstGeom>
           <a:noFill/>
+          <a:extLst>
+            <a:ext uri="{909E8E84-426E-40DD-AFC4-6F175D3DCCD1}">
+              <a14:hiddenFill xmlns:a14="http://schemas.microsoft.com/office/drawing/2010/main">
+                <a:solidFill>
+                  <a:srgbClr val="FFFFFF"/>
+                </a:solidFill>
+              </a14:hiddenFill>
+            </a:ext>
+          </a:extLst>
         </p:spPr>
-        <p:txBody>
-          <a:bodyPr wrap="square">
-            <a:spAutoFit/>
-          </a:bodyPr>
-          <a:lstStyle/>
-          <a:p>
-            <a:r>
-              <a:rPr lang="en-US" dirty="0" err="1">
-                <a:latin typeface="Ariel"/>
-              </a:rPr>
-              <a:t>request.headers</a:t>
-            </a:r>
-            <a:r>
-              <a:rPr lang="en-US" dirty="0">
-                <a:latin typeface="Ariel"/>
-              </a:rPr>
-              <a:t>. Accept-Encoding</a:t>
-            </a:r>
-            <a:endParaRPr lang="he-IL" dirty="0">
-              <a:latin typeface="Ariel"/>
-            </a:endParaRPr>
-          </a:p>
-        </p:txBody>
-      </p:sp>
+      </p:pic>
+      <p:pic>
+        <p:nvPicPr>
+          <p:cNvPr id="4104" name="Picture 8">
+            <a:extLst>
+              <a:ext uri="{FF2B5EF4-FFF2-40B4-BE49-F238E27FC236}">
+                <a16:creationId xmlns:a16="http://schemas.microsoft.com/office/drawing/2014/main" id="{9678BC35-0F2D-953B-1B0B-3F633645897F}"/>
+              </a:ext>
+            </a:extLst>
+          </p:cNvPr>
+          <p:cNvPicPr>
+            <a:picLocks noGrp="1" noRot="1" noChangeAspect="1" noMove="1" noResize="1" noEditPoints="1" noAdjustHandles="1" noChangeArrowheads="1" noChangeShapeType="1" noCrop="1"/>
+          </p:cNvPicPr>
+          <p:nvPr/>
+        </p:nvPicPr>
+        <p:blipFill>
+          <a:blip r:embed="rId4">
+            <a:extLst>
+              <a:ext uri="{28A0092B-C50C-407E-A947-70E740481C1C}">
+                <a14:useLocalDpi xmlns:a14="http://schemas.microsoft.com/office/drawing/2010/main" val="0"/>
+              </a:ext>
+            </a:extLst>
+          </a:blip>
+          <a:srcRect/>
+          <a:stretch>
+            <a:fillRect/>
+          </a:stretch>
+        </p:blipFill>
+        <p:spPr bwMode="auto">
+          <a:xfrm>
+            <a:off x="6435303" y="3675168"/>
+            <a:ext cx="5211842" cy="2891241"/>
+          </a:xfrm>
+          <a:prstGeom prst="rect">
+            <a:avLst/>
+          </a:prstGeom>
+          <a:noFill/>
+          <a:extLst>
+            <a:ext uri="{909E8E84-426E-40DD-AFC4-6F175D3DCCD1}">
+              <a14:hiddenFill xmlns:a14="http://schemas.microsoft.com/office/drawing/2010/main">
+                <a:solidFill>
+                  <a:srgbClr val="FFFFFF"/>
+                </a:solidFill>
+              </a14:hiddenFill>
+            </a:ext>
+          </a:extLst>
+        </p:spPr>
+      </p:pic>
+      <p:pic>
+        <p:nvPicPr>
+          <p:cNvPr id="14" name="Picture 4">
+            <a:extLst>
+              <a:ext uri="{FF2B5EF4-FFF2-40B4-BE49-F238E27FC236}">
+                <a16:creationId xmlns:a16="http://schemas.microsoft.com/office/drawing/2014/main" id="{AD65B0C8-953E-57DF-6EFF-D54DAD9B79A6}"/>
+              </a:ext>
+            </a:extLst>
+          </p:cNvPr>
+          <p:cNvPicPr/>
+          <p:nvPr/>
+        </p:nvPicPr>
+        <p:blipFill>
+          <a:blip r:embed="rId5">
+            <a:extLst>
+              <a:ext uri="{28A0092B-C50C-407E-A947-70E740481C1C}">
+                <a14:useLocalDpi xmlns:a14="http://schemas.microsoft.com/office/drawing/2010/main" val="0"/>
+              </a:ext>
+            </a:extLst>
+          </a:blip>
+          <a:srcRect/>
+          <a:stretch>
+            <a:fillRect/>
+          </a:stretch>
+        </p:blipFill>
+        <p:spPr bwMode="auto">
+          <a:xfrm>
+            <a:off x="432736" y="384533"/>
+            <a:ext cx="5197340" cy="2883196"/>
+          </a:xfrm>
+          <a:prstGeom prst="rect">
+            <a:avLst/>
+          </a:prstGeom>
+          <a:noFill/>
+          <a:extLst>
+            <a:ext uri="{909E8E84-426E-40DD-AFC4-6F175D3DCCD1}">
+              <a14:hiddenFill xmlns:a14="http://schemas.microsoft.com/office/drawing/2010/main">
+                <a:solidFill>
+                  <a:srgbClr val="FFFFFF"/>
+                </a:solidFill>
+              </a14:hiddenFill>
+            </a:ext>
+          </a:extLst>
+        </p:spPr>
+      </p:pic>
     </p:spTree>
     <p:extLst>
       <p:ext uri="{BB962C8B-B14F-4D97-AF65-F5344CB8AC3E}">
@@ -19110,6 +19111,84 @@
       </p:transition>
     </mc:Fallback>
   </mc:AlternateContent>
+  <p:timing>
+    <p:tnLst>
+      <p:par>
+        <p:cTn id="1" dur="indefinite" restart="never" nodeType="tmRoot">
+          <p:childTnLst>
+            <p:seq concurrent="1" nextAc="seek">
+              <p:cTn id="2" dur="indefinite" nodeType="mainSeq">
+                <p:childTnLst>
+                  <p:par>
+                    <p:cTn id="3" fill="hold">
+                      <p:stCondLst>
+                        <p:cond delay="indefinite"/>
+                      </p:stCondLst>
+                      <p:childTnLst>
+                        <p:par>
+                          <p:cTn id="4" fill="hold">
+                            <p:stCondLst>
+                              <p:cond delay="0"/>
+                            </p:stCondLst>
+                            <p:childTnLst>
+                              <p:par>
+                                <p:cTn id="5" presetID="1" presetClass="entr" presetSubtype="0" fill="hold" grpId="0" nodeType="clickEffect">
+                                  <p:stCondLst>
+                                    <p:cond delay="0"/>
+                                  </p:stCondLst>
+                                  <p:childTnLst>
+                                    <p:set>
+                                      <p:cBhvr>
+                                        <p:cTn id="6" dur="1" fill="hold">
+                                          <p:stCondLst>
+                                            <p:cond delay="0"/>
+                                          </p:stCondLst>
+                                        </p:cTn>
+                                        <p:tgtEl>
+                                          <p:spTgt spid="6"/>
+                                        </p:tgtEl>
+                                        <p:attrNameLst>
+                                          <p:attrName>style.visibility</p:attrName>
+                                        </p:attrNameLst>
+                                      </p:cBhvr>
+                                      <p:to>
+                                        <p:strVal val="visible"/>
+                                      </p:to>
+                                    </p:set>
+                                  </p:childTnLst>
+                                </p:cTn>
+                              </p:par>
+                            </p:childTnLst>
+                          </p:cTn>
+                        </p:par>
+                      </p:childTnLst>
+                    </p:cTn>
+                  </p:par>
+                </p:childTnLst>
+              </p:cTn>
+              <p:prevCondLst>
+                <p:cond evt="onPrev" delay="0">
+                  <p:tgtEl>
+                    <p:sldTgt/>
+                  </p:tgtEl>
+                </p:cond>
+              </p:prevCondLst>
+              <p:nextCondLst>
+                <p:cond evt="onNext" delay="0">
+                  <p:tgtEl>
+                    <p:sldTgt/>
+                  </p:tgtEl>
+                </p:cond>
+              </p:nextCondLst>
+            </p:seq>
+          </p:childTnLst>
+        </p:cTn>
+      </p:par>
+    </p:tnLst>
+    <p:bldLst>
+      <p:bldP spid="6" grpId="0"/>
+    </p:bldLst>
+  </p:timing>
 </p:sld>
 </file>
 
@@ -19289,7 +19368,7 @@
         </p:blipFill>
         <p:spPr bwMode="auto">
           <a:xfrm>
-            <a:off x="241609" y="2795240"/>
+            <a:off x="5665668" y="2774045"/>
             <a:ext cx="6280158" cy="3442010"/>
           </a:xfrm>
           <a:prstGeom prst="rect">
@@ -19321,8 +19400,8 @@
         </p:nvSpPr>
         <p:spPr>
           <a:xfrm>
-            <a:off x="-2282848" y="2471481"/>
-            <a:ext cx="8430091" cy="307777"/>
+            <a:off x="2531174" y="6216055"/>
+            <a:ext cx="8430091" cy="276999"/>
           </a:xfrm>
           <a:prstGeom prst="rect">
             <a:avLst/>
@@ -19336,16 +19415,24 @@
           <a:lstStyle/>
           <a:p>
             <a:r>
-              <a:rPr lang="he-IL" sz="1400" i="1" dirty="0"/>
-              <a:t>הגרף שלנו הוא בינארי (מציג אם השם </a:t>
-            </a:r>
-            <a:r>
-              <a:rPr lang="en-US" sz="1400" i="1" dirty="0"/>
-              <a:t>JNDI</a:t>
-            </a:r>
-            <a:r>
-              <a:rPr lang="he-IL" sz="1400" i="1" dirty="0"/>
-              <a:t> מופיע או לא). </a:t>
+              <a:rPr lang="he-IL" sz="1200" i="1" dirty="0"/>
+              <a:t>הגרף מראה אם קיימת נוכחות של </a:t>
+            </a:r>
+            <a:r>
+              <a:rPr lang="en-US" sz="1200" i="1" dirty="0"/>
+              <a:t>jndi”</a:t>
+            </a:r>
+            <a:r>
+              <a:rPr lang="he-IL" sz="1200" i="1" dirty="0"/>
+              <a:t>" בכל אחת </a:t>
+            </a:r>
+            <a:r>
+              <a:rPr lang="he-IL" sz="1200" i="1" dirty="0" err="1"/>
+              <a:t>מהנוזקות</a:t>
+            </a:r>
+            <a:r>
+              <a:rPr lang="he-IL" sz="1200" i="1" dirty="0"/>
+              <a:t> </a:t>
             </a:r>
           </a:p>
         </p:txBody>
@@ -19373,7 +19460,7 @@
         </p:blipFill>
         <p:spPr>
           <a:xfrm>
-            <a:off x="6644216" y="3429000"/>
+            <a:off x="146033" y="3324541"/>
             <a:ext cx="5249290" cy="1955521"/>
           </a:xfrm>
           <a:prstGeom prst="rect">
@@ -19395,8 +19482,8 @@
         </p:nvSpPr>
         <p:spPr>
           <a:xfrm>
-            <a:off x="2756862" y="3059668"/>
-            <a:ext cx="8430091" cy="307777"/>
+            <a:off x="-4331670" y="5380554"/>
+            <a:ext cx="8430091" cy="276999"/>
           </a:xfrm>
           <a:prstGeom prst="rect">
             <a:avLst/>
@@ -19410,16 +19497,16 @@
           <a:lstStyle/>
           <a:p>
             <a:r>
-              <a:rPr lang="he-IL" sz="1400" i="1" dirty="0"/>
-              <a:t>כמות המופעים של </a:t>
-            </a:r>
-            <a:r>
-              <a:rPr lang="en-US" sz="1400" i="1" dirty="0"/>
+              <a:rPr lang="he-IL" sz="1200" i="1" dirty="0"/>
+              <a:t>כמות המופעים של "</a:t>
+            </a:r>
+            <a:r>
+              <a:rPr lang="en-US" sz="1200" i="1" dirty="0"/>
               <a:t>jndi</a:t>
             </a:r>
             <a:r>
-              <a:rPr lang="he-IL" sz="1400" i="1" dirty="0"/>
-              <a:t> בכל נוזקה</a:t>
+              <a:rPr lang="he-IL" sz="1200" i="1" dirty="0"/>
+              <a:t>" בכל נוזקה</a:t>
             </a:r>
           </a:p>
         </p:txBody>
@@ -19438,8 +19525,8 @@
         </p:nvSpPr>
         <p:spPr>
           <a:xfrm>
-            <a:off x="-863262" y="35408"/>
-            <a:ext cx="7240248" cy="369332"/>
+            <a:off x="4859984" y="24791"/>
+            <a:ext cx="7240248" cy="307777"/>
           </a:xfrm>
           <a:prstGeom prst="rect">
             <a:avLst/>
@@ -19453,10 +19540,10 @@
           <a:lstStyle/>
           <a:p>
             <a:r>
-              <a:rPr lang="en-US" sz="1800" dirty="0"/>
+              <a:rPr lang="en-US" sz="1400" dirty="0"/>
               <a:t>log4j</a:t>
             </a:r>
-            <a:endParaRPr lang="he-IL" sz="1800" dirty="0"/>
+            <a:endParaRPr lang="he-IL" sz="1400" dirty="0"/>
           </a:p>
         </p:txBody>
       </p:sp>

--- a/API Security Challenge.pptx
+++ b/API Security Challenge.pptx
@@ -5,10 +5,10 @@
     <p:sldMasterId id="2147483744" r:id="rId4"/>
   </p:sldMasterIdLst>
   <p:notesMasterIdLst>
-    <p:notesMasterId r:id="rId13"/>
+    <p:notesMasterId r:id="rId14"/>
   </p:notesMasterIdLst>
   <p:handoutMasterIdLst>
-    <p:handoutMasterId r:id="rId14"/>
+    <p:handoutMasterId r:id="rId15"/>
   </p:handoutMasterIdLst>
   <p:sldIdLst>
     <p:sldId id="256" r:id="rId5"/>
@@ -18,7 +18,8 @@
     <p:sldId id="260" r:id="rId9"/>
     <p:sldId id="279" r:id="rId10"/>
     <p:sldId id="278" r:id="rId11"/>
-    <p:sldId id="274" r:id="rId12"/>
+    <p:sldId id="280" r:id="rId12"/>
+    <p:sldId id="274" r:id="rId13"/>
   </p:sldIdLst>
   <p:sldSz cx="12192000" cy="6858000"/>
   <p:notesSz cx="6858000" cy="9144000"/>
@@ -1398,6 +1399,105 @@
               </a:rPr>
               <a:pPr algn="l" rtl="1"/>
               <a:t>8</a:t>
+            </a:fld>
+            <a:endParaRPr lang="he-IL" dirty="0">
+              <a:latin typeface="Tahoma" panose="020B0604030504040204" pitchFamily="34" charset="0"/>
+              <a:ea typeface="Tahoma" panose="020B0604030504040204" pitchFamily="34" charset="0"/>
+              <a:cs typeface="Tahoma" panose="020B0604030504040204" pitchFamily="34" charset="0"/>
+            </a:endParaRPr>
+          </a:p>
+        </p:txBody>
+      </p:sp>
+    </p:spTree>
+    <p:extLst>
+      <p:ext uri="{BB962C8B-B14F-4D97-AF65-F5344CB8AC3E}">
+        <p14:creationId xmlns:p14="http://schemas.microsoft.com/office/powerpoint/2010/main" val="2688829370"/>
+      </p:ext>
+    </p:extLst>
+  </p:cSld>
+  <p:clrMapOvr>
+    <a:masterClrMapping/>
+  </p:clrMapOvr>
+</p:notes>
+</file>
+
+<file path=ppt/notesSlides/notesSlide8.xml><?xml version="1.0" encoding="utf-8"?>
+<p:notes xmlns:a="http://schemas.openxmlformats.org/drawingml/2006/main" xmlns:r="http://schemas.openxmlformats.org/officeDocument/2006/relationships" xmlns:p="http://schemas.openxmlformats.org/presentationml/2006/main">
+  <p:cSld>
+    <p:spTree>
+      <p:nvGrpSpPr>
+        <p:cNvPr id="1" name=""/>
+        <p:cNvGrpSpPr/>
+        <p:nvPr/>
+      </p:nvGrpSpPr>
+      <p:grpSpPr>
+        <a:xfrm>
+          <a:off x="0" y="0"/>
+          <a:ext cx="0" cy="0"/>
+          <a:chOff x="0" y="0"/>
+          <a:chExt cx="0" cy="0"/>
+        </a:xfrm>
+      </p:grpSpPr>
+      <p:sp>
+        <p:nvSpPr>
+          <p:cNvPr id="2" name="מציין מיקום של תמונת שקופית 1"/>
+          <p:cNvSpPr>
+            <a:spLocks noGrp="1" noRot="1" noChangeAspect="1"/>
+          </p:cNvSpPr>
+          <p:nvPr>
+            <p:ph type="sldImg"/>
+          </p:nvPr>
+        </p:nvSpPr>
+        <p:spPr/>
+      </p:sp>
+      <p:sp>
+        <p:nvSpPr>
+          <p:cNvPr id="3" name="מציין מיקום של הערות 2"/>
+          <p:cNvSpPr>
+            <a:spLocks noGrp="1"/>
+          </p:cNvSpPr>
+          <p:nvPr>
+            <p:ph type="body" idx="1"/>
+          </p:nvPr>
+        </p:nvSpPr>
+        <p:spPr/>
+        <p:txBody>
+          <a:bodyPr rtlCol="1"/>
+          <a:lstStyle/>
+          <a:p>
+            <a:pPr rtl="1"/>
+            <a:endParaRPr lang="he-IL">
+              <a:latin typeface="Tahoma" panose="020B0604030504040204" pitchFamily="34" charset="0"/>
+              <a:ea typeface="Tahoma" panose="020B0604030504040204" pitchFamily="34" charset="0"/>
+              <a:cs typeface="Tahoma" panose="020B0604030504040204" pitchFamily="34" charset="0"/>
+            </a:endParaRPr>
+          </a:p>
+        </p:txBody>
+      </p:sp>
+      <p:sp>
+        <p:nvSpPr>
+          <p:cNvPr id="4" name="מציין מיקום של מספר שקופית 3"/>
+          <p:cNvSpPr>
+            <a:spLocks noGrp="1"/>
+          </p:cNvSpPr>
+          <p:nvPr>
+            <p:ph type="sldNum" sz="quarter" idx="5"/>
+          </p:nvPr>
+        </p:nvSpPr>
+        <p:spPr/>
+        <p:txBody>
+          <a:bodyPr rtlCol="1"/>
+          <a:lstStyle/>
+          <a:p>
+            <a:pPr algn="l" rtl="1"/>
+            <a:fld id="{F3544625-0ADF-4414-89A2-9E135F0C849F}" type="slidenum">
+              <a:rPr lang="he-IL" smtClean="0">
+                <a:latin typeface="Tahoma" panose="020B0604030504040204" pitchFamily="34" charset="0"/>
+                <a:ea typeface="Tahoma" panose="020B0604030504040204" pitchFamily="34" charset="0"/>
+                <a:cs typeface="Tahoma" panose="020B0604030504040204" pitchFamily="34" charset="0"/>
+              </a:rPr>
+              <a:pPr algn="l" rtl="1"/>
+              <a:t>9</a:t>
             </a:fld>
             <a:endParaRPr lang="he-IL" dirty="0">
               <a:latin typeface="Tahoma" panose="020B0604030504040204" pitchFamily="34" charset="0"/>
@@ -19564,6 +19664,648 @@
 </file>
 
 <file path=ppt/slides/slide8.xml><?xml version="1.0" encoding="utf-8"?>
+<p:sld xmlns:a="http://schemas.openxmlformats.org/drawingml/2006/main" xmlns:r="http://schemas.openxmlformats.org/officeDocument/2006/relationships" xmlns:p="http://schemas.openxmlformats.org/presentationml/2006/main">
+  <p:cSld>
+    <p:spTree>
+      <p:nvGrpSpPr>
+        <p:cNvPr id="1" name=""/>
+        <p:cNvGrpSpPr/>
+        <p:nvPr/>
+      </p:nvGrpSpPr>
+      <p:grpSpPr>
+        <a:xfrm>
+          <a:off x="0" y="0"/>
+          <a:ext cx="0" cy="0"/>
+          <a:chOff x="0" y="0"/>
+          <a:chExt cx="0" cy="0"/>
+        </a:xfrm>
+      </p:grpSpPr>
+      <p:sp>
+        <p:nvSpPr>
+          <p:cNvPr id="12" name="כותרת 1">
+            <a:extLst>
+              <a:ext uri="{FF2B5EF4-FFF2-40B4-BE49-F238E27FC236}">
+                <a16:creationId xmlns:a16="http://schemas.microsoft.com/office/drawing/2014/main" id="{15BA7851-FE54-6EC3-B674-CB1F804CF9BC}"/>
+              </a:ext>
+            </a:extLst>
+          </p:cNvPr>
+          <p:cNvSpPr txBox="1">
+            <a:spLocks/>
+          </p:cNvSpPr>
+          <p:nvPr/>
+        </p:nvSpPr>
+        <p:spPr>
+          <a:xfrm flipH="1">
+            <a:off x="-5957328" y="1280284"/>
+            <a:ext cx="8554473" cy="1456267"/>
+          </a:xfrm>
+          <a:prstGeom prst="rect">
+            <a:avLst/>
+          </a:prstGeom>
+          <a:effectLst/>
+        </p:spPr>
+        <p:txBody>
+          <a:bodyPr vert="horz" lIns="91440" tIns="45720" rIns="91440" bIns="45720" rtlCol="1" anchor="ctr">
+            <a:normAutofit/>
+          </a:bodyPr>
+          <a:lstStyle>
+            <a:lvl1pPr algn="r" defTabSz="457200" rtl="1" eaLnBrk="1" latinLnBrk="0" hangingPunct="1">
+              <a:spcBef>
+                <a:spcPct val="0"/>
+              </a:spcBef>
+              <a:buNone/>
+              <a:defRPr sz="3600" kern="1200" cap="all">
+                <a:ln w="3175" cmpd="sng">
+                  <a:noFill/>
+                </a:ln>
+                <a:solidFill>
+                  <a:schemeClr val="tx1"/>
+                </a:solidFill>
+                <a:effectLst/>
+                <a:latin typeface="Tahoma" panose="020B0604030504040204" pitchFamily="34" charset="0"/>
+                <a:ea typeface="Tahoma" panose="020B0604030504040204" pitchFamily="34" charset="0"/>
+                <a:cs typeface="Tahoma" panose="020B0604030504040204" pitchFamily="34" charset="0"/>
+              </a:defRPr>
+            </a:lvl1pPr>
+            <a:lvl2pPr algn="r" rtl="1" eaLnBrk="1" hangingPunct="1">
+              <a:defRPr>
+                <a:solidFill>
+                  <a:schemeClr val="tx2"/>
+                </a:solidFill>
+              </a:defRPr>
+            </a:lvl2pPr>
+            <a:lvl3pPr algn="r" rtl="1" eaLnBrk="1" hangingPunct="1">
+              <a:defRPr>
+                <a:solidFill>
+                  <a:schemeClr val="tx2"/>
+                </a:solidFill>
+              </a:defRPr>
+            </a:lvl3pPr>
+            <a:lvl4pPr algn="r" rtl="1" eaLnBrk="1" hangingPunct="1">
+              <a:defRPr>
+                <a:solidFill>
+                  <a:schemeClr val="tx2"/>
+                </a:solidFill>
+              </a:defRPr>
+            </a:lvl4pPr>
+            <a:lvl5pPr algn="r" rtl="1" eaLnBrk="1" hangingPunct="1">
+              <a:defRPr>
+                <a:solidFill>
+                  <a:schemeClr val="tx2"/>
+                </a:solidFill>
+              </a:defRPr>
+            </a:lvl5pPr>
+            <a:lvl6pPr algn="r" rtl="1" eaLnBrk="1" hangingPunct="1">
+              <a:defRPr>
+                <a:solidFill>
+                  <a:schemeClr val="tx2"/>
+                </a:solidFill>
+              </a:defRPr>
+            </a:lvl6pPr>
+            <a:lvl7pPr algn="r" rtl="1" eaLnBrk="1" hangingPunct="1">
+              <a:defRPr>
+                <a:solidFill>
+                  <a:schemeClr val="tx2"/>
+                </a:solidFill>
+              </a:defRPr>
+            </a:lvl7pPr>
+            <a:lvl8pPr algn="r" rtl="1" eaLnBrk="1" hangingPunct="1">
+              <a:defRPr>
+                <a:solidFill>
+                  <a:schemeClr val="tx2"/>
+                </a:solidFill>
+              </a:defRPr>
+            </a:lvl8pPr>
+            <a:lvl9pPr algn="r" rtl="1" eaLnBrk="1" hangingPunct="1">
+              <a:defRPr>
+                <a:solidFill>
+                  <a:schemeClr val="tx2"/>
+                </a:solidFill>
+              </a:defRPr>
+            </a:lvl9pPr>
+          </a:lstStyle>
+          <a:p>
+            <a:endParaRPr lang="he-IL" sz="1400" dirty="0"/>
+          </a:p>
+        </p:txBody>
+      </p:sp>
+      <p:sp>
+        <p:nvSpPr>
+          <p:cNvPr id="4" name="כותרת 3">
+            <a:extLst>
+              <a:ext uri="{FF2B5EF4-FFF2-40B4-BE49-F238E27FC236}">
+                <a16:creationId xmlns:a16="http://schemas.microsoft.com/office/drawing/2014/main" id="{6E98CE5E-AAFB-CDCD-C97A-9DC0E722919D}"/>
+              </a:ext>
+            </a:extLst>
+          </p:cNvPr>
+          <p:cNvSpPr>
+            <a:spLocks noGrp="1"/>
+          </p:cNvSpPr>
+          <p:nvPr>
+            <p:ph type="title"/>
+          </p:nvPr>
+        </p:nvSpPr>
+        <p:spPr/>
+        <p:txBody>
+          <a:bodyPr/>
+          <a:lstStyle/>
+          <a:p>
+            <a:r>
+              <a:rPr lang="he-IL" dirty="0"/>
+              <a:t>תוצאות - </a:t>
+            </a:r>
+          </a:p>
+        </p:txBody>
+      </p:sp>
+      <p:sp>
+        <p:nvSpPr>
+          <p:cNvPr id="9" name="Rectangle 3">
+            <a:extLst>
+              <a:ext uri="{FF2B5EF4-FFF2-40B4-BE49-F238E27FC236}">
+                <a16:creationId xmlns:a16="http://schemas.microsoft.com/office/drawing/2014/main" id="{BAD216A4-BF4F-68D7-004B-76B7334794FE}"/>
+              </a:ext>
+            </a:extLst>
+          </p:cNvPr>
+          <p:cNvSpPr>
+            <a:spLocks noChangeArrowheads="1"/>
+          </p:cNvSpPr>
+          <p:nvPr/>
+        </p:nvSpPr>
+        <p:spPr bwMode="auto">
+          <a:xfrm>
+            <a:off x="0" y="90100"/>
+            <a:ext cx="65" cy="276999"/>
+          </a:xfrm>
+          <a:prstGeom prst="rect">
+            <a:avLst/>
+          </a:prstGeom>
+          <a:solidFill>
+            <a:srgbClr val="FFFFFF"/>
+          </a:solidFill>
+          <a:ln>
+            <a:noFill/>
+          </a:ln>
+          <a:effectLst/>
+          <a:extLst>
+            <a:ext uri="{91240B29-F687-4F45-9708-019B960494DF}">
+              <a14:hiddenLine xmlns:a14="http://schemas.microsoft.com/office/drawing/2010/main" w="9525">
+                <a:solidFill>
+                  <a:schemeClr val="tx1"/>
+                </a:solidFill>
+                <a:miter lim="800000"/>
+                <a:headEnd/>
+                <a:tailEnd/>
+              </a14:hiddenLine>
+            </a:ext>
+            <a:ext uri="{AF507438-7753-43E0-B8FC-AC1667EBCBE1}">
+              <a14:hiddenEffects xmlns:a14="http://schemas.microsoft.com/office/drawing/2010/main">
+                <a:effectLst>
+                  <a:outerShdw dist="35921" dir="2700000" algn="ctr" rotWithShape="0">
+                    <a:schemeClr val="bg2"/>
+                  </a:outerShdw>
+                </a:effectLst>
+              </a14:hiddenEffects>
+            </a:ext>
+          </a:extLst>
+        </p:spPr>
+        <p:txBody>
+          <a:bodyPr vert="horz" wrap="none" lIns="0" tIns="0" rIns="0" bIns="0" numCol="1" anchor="ctr" anchorCtr="0" compatLnSpc="1">
+            <a:prstTxWarp prst="textNoShape">
+              <a:avLst/>
+            </a:prstTxWarp>
+            <a:spAutoFit/>
+          </a:bodyPr>
+          <a:lstStyle/>
+          <a:p>
+            <a:pPr marL="0" marR="0" lvl="0" indent="0" algn="l" defTabSz="914400" rtl="0" eaLnBrk="0" fontAlgn="base" latinLnBrk="0" hangingPunct="0">
+              <a:lnSpc>
+                <a:spcPct val="100000"/>
+              </a:lnSpc>
+              <a:spcBef>
+                <a:spcPct val="0"/>
+              </a:spcBef>
+              <a:spcAft>
+                <a:spcPct val="0"/>
+              </a:spcAft>
+              <a:buClrTx/>
+              <a:buSzTx/>
+              <a:buFontTx/>
+              <a:buNone/>
+              <a:tabLst/>
+            </a:pPr>
+            <a:endParaRPr kumimoji="0" lang="he-IL" altLang="he-IL" sz="1800" b="0" i="0" u="none" strike="noStrike" cap="none" normalizeH="0" baseline="0" dirty="0">
+              <a:ln>
+                <a:noFill/>
+              </a:ln>
+              <a:solidFill>
+                <a:schemeClr val="tx1"/>
+              </a:solidFill>
+              <a:effectLst/>
+              <a:latin typeface="Arial" panose="020B0604020202020204" pitchFamily="34" charset="0"/>
+            </a:endParaRPr>
+          </a:p>
+        </p:txBody>
+      </p:sp>
+      <p:sp>
+        <p:nvSpPr>
+          <p:cNvPr id="10" name="תיבת טקסט 9">
+            <a:extLst>
+              <a:ext uri="{FF2B5EF4-FFF2-40B4-BE49-F238E27FC236}">
+                <a16:creationId xmlns:a16="http://schemas.microsoft.com/office/drawing/2014/main" id="{679D0DA4-3910-5302-9CE8-38908A36E48E}"/>
+              </a:ext>
+            </a:extLst>
+          </p:cNvPr>
+          <p:cNvSpPr txBox="1"/>
+          <p:nvPr/>
+        </p:nvSpPr>
+        <p:spPr>
+          <a:xfrm>
+            <a:off x="69367" y="1943978"/>
+            <a:ext cx="12053265" cy="2970044"/>
+          </a:xfrm>
+          <a:prstGeom prst="rect">
+            <a:avLst/>
+          </a:prstGeom>
+          <a:noFill/>
+        </p:spPr>
+        <p:txBody>
+          <a:bodyPr wrap="square" rtlCol="1">
+            <a:spAutoFit/>
+          </a:bodyPr>
+          <a:lstStyle/>
+          <a:p>
+            <a:pPr algn="l" rtl="0">
+              <a:tabLst>
+                <a:tab pos="581660" algn="l"/>
+                <a:tab pos="1163320" algn="l"/>
+                <a:tab pos="1744980" algn="l"/>
+                <a:tab pos="2326640" algn="l"/>
+                <a:tab pos="2908300" algn="l"/>
+                <a:tab pos="3489960" algn="l"/>
+                <a:tab pos="4071620" algn="l"/>
+                <a:tab pos="4653280" algn="l"/>
+                <a:tab pos="5234940" algn="l"/>
+                <a:tab pos="5816600" algn="l"/>
+                <a:tab pos="6398260" algn="l"/>
+                <a:tab pos="6979920" algn="l"/>
+                <a:tab pos="7561580" algn="l"/>
+                <a:tab pos="8143240" algn="l"/>
+                <a:tab pos="8724900" algn="l"/>
+                <a:tab pos="9306560" algn="l"/>
+              </a:tabLst>
+            </a:pPr>
+            <a:r>
+              <a:rPr lang="en-US" sz="1700" dirty="0">
+                <a:effectLst/>
+                <a:latin typeface="Ariel"/>
+                <a:ea typeface="Times New Roman" panose="02020603050405020304" pitchFamily="18" charset="0"/>
+                <a:cs typeface="Miriam" panose="020B0502050101010101" pitchFamily="34" charset="-79"/>
+              </a:rPr>
+              <a:t>Dataset_label_1 scores: {'Accuracy': 1.0, 'Precision': 1.0, 'Recall': 1.0, 'F1': 1.0} </a:t>
+            </a:r>
+          </a:p>
+          <a:p>
+            <a:pPr algn="l" rtl="0">
+              <a:tabLst>
+                <a:tab pos="581660" algn="l"/>
+                <a:tab pos="1163320" algn="l"/>
+                <a:tab pos="1744980" algn="l"/>
+                <a:tab pos="2326640" algn="l"/>
+                <a:tab pos="2908300" algn="l"/>
+                <a:tab pos="3489960" algn="l"/>
+                <a:tab pos="4071620" algn="l"/>
+                <a:tab pos="4653280" algn="l"/>
+                <a:tab pos="5234940" algn="l"/>
+                <a:tab pos="5816600" algn="l"/>
+                <a:tab pos="6398260" algn="l"/>
+                <a:tab pos="6979920" algn="l"/>
+                <a:tab pos="7561580" algn="l"/>
+                <a:tab pos="8143240" algn="l"/>
+                <a:tab pos="8724900" algn="l"/>
+                <a:tab pos="9306560" algn="l"/>
+              </a:tabLst>
+            </a:pPr>
+            <a:r>
+              <a:rPr lang="en-US" sz="1700" dirty="0">
+                <a:effectLst/>
+                <a:latin typeface="Ariel"/>
+                <a:ea typeface="Times New Roman" panose="02020603050405020304" pitchFamily="18" charset="0"/>
+                <a:cs typeface="Miriam" panose="020B0502050101010101" pitchFamily="34" charset="-79"/>
+              </a:rPr>
+              <a:t>Dataset_label_2 scores: {'Accuracy': 1.0, 'Precision': 1.0, 'Recall': 1.0, 'F1': 1.0} </a:t>
+            </a:r>
+          </a:p>
+          <a:p>
+            <a:pPr algn="l" rtl="0">
+              <a:tabLst>
+                <a:tab pos="581660" algn="l"/>
+                <a:tab pos="1163320" algn="l"/>
+                <a:tab pos="1744980" algn="l"/>
+                <a:tab pos="2326640" algn="l"/>
+                <a:tab pos="2908300" algn="l"/>
+                <a:tab pos="3489960" algn="l"/>
+                <a:tab pos="4071620" algn="l"/>
+                <a:tab pos="4653280" algn="l"/>
+                <a:tab pos="5234940" algn="l"/>
+                <a:tab pos="5816600" algn="l"/>
+                <a:tab pos="6398260" algn="l"/>
+                <a:tab pos="6979920" algn="l"/>
+                <a:tab pos="7561580" algn="l"/>
+                <a:tab pos="8143240" algn="l"/>
+                <a:tab pos="8724900" algn="l"/>
+                <a:tab pos="9306560" algn="l"/>
+              </a:tabLst>
+            </a:pPr>
+            <a:r>
+              <a:rPr lang="en-US" sz="1700" dirty="0">
+                <a:effectLst/>
+                <a:latin typeface="Ariel"/>
+                <a:ea typeface="Times New Roman" panose="02020603050405020304" pitchFamily="18" charset="0"/>
+                <a:cs typeface="Miriam" panose="020B0502050101010101" pitchFamily="34" charset="-79"/>
+              </a:rPr>
+              <a:t>Dataset_label_3 scores: </a:t>
+            </a:r>
+          </a:p>
+          <a:p>
+            <a:pPr algn="l" rtl="0">
+              <a:tabLst>
+                <a:tab pos="581660" algn="l"/>
+                <a:tab pos="1163320" algn="l"/>
+                <a:tab pos="1744980" algn="l"/>
+                <a:tab pos="2326640" algn="l"/>
+                <a:tab pos="2908300" algn="l"/>
+                <a:tab pos="3489960" algn="l"/>
+                <a:tab pos="4071620" algn="l"/>
+                <a:tab pos="4653280" algn="l"/>
+                <a:tab pos="5234940" algn="l"/>
+                <a:tab pos="5816600" algn="l"/>
+                <a:tab pos="6398260" algn="l"/>
+                <a:tab pos="6979920" algn="l"/>
+                <a:tab pos="7561580" algn="l"/>
+                <a:tab pos="8143240" algn="l"/>
+                <a:tab pos="8724900" algn="l"/>
+                <a:tab pos="9306560" algn="l"/>
+              </a:tabLst>
+            </a:pPr>
+            <a:r>
+              <a:rPr lang="en-US" sz="1700" dirty="0">
+                <a:latin typeface="Ariel"/>
+                <a:ea typeface="Times New Roman" panose="02020603050405020304" pitchFamily="18" charset="0"/>
+                <a:cs typeface="Miriam" panose="020B0502050101010101" pitchFamily="34" charset="-79"/>
+              </a:rPr>
+              <a:t>	</a:t>
+            </a:r>
+            <a:r>
+              <a:rPr lang="en-US" sz="1700" dirty="0">
+                <a:effectLst/>
+                <a:latin typeface="Ariel"/>
+                <a:ea typeface="Times New Roman" panose="02020603050405020304" pitchFamily="18" charset="0"/>
+                <a:cs typeface="Miriam" panose="020B0502050101010101" pitchFamily="34" charset="-79"/>
+              </a:rPr>
+              <a:t>{'Accuracy': 0.9998431372549019, 'Precision': 0.9996078559463895, 'Recall': 0.9996078559463895, 'F1': 0.9996078559463895} </a:t>
+            </a:r>
+          </a:p>
+          <a:p>
+            <a:pPr algn="l" rtl="0">
+              <a:tabLst>
+                <a:tab pos="581660" algn="l"/>
+                <a:tab pos="1163320" algn="l"/>
+                <a:tab pos="1744980" algn="l"/>
+                <a:tab pos="2326640" algn="l"/>
+                <a:tab pos="2908300" algn="l"/>
+                <a:tab pos="3489960" algn="l"/>
+                <a:tab pos="4071620" algn="l"/>
+                <a:tab pos="4653280" algn="l"/>
+                <a:tab pos="5234940" algn="l"/>
+                <a:tab pos="5816600" algn="l"/>
+                <a:tab pos="6398260" algn="l"/>
+                <a:tab pos="6979920" algn="l"/>
+                <a:tab pos="7561580" algn="l"/>
+                <a:tab pos="8143240" algn="l"/>
+                <a:tab pos="8724900" algn="l"/>
+                <a:tab pos="9306560" algn="l"/>
+              </a:tabLst>
+            </a:pPr>
+            <a:r>
+              <a:rPr lang="en-US" sz="1700" dirty="0">
+                <a:effectLst/>
+                <a:latin typeface="Ariel"/>
+                <a:ea typeface="Times New Roman" panose="02020603050405020304" pitchFamily="18" charset="0"/>
+                <a:cs typeface="Miriam" panose="020B0502050101010101" pitchFamily="34" charset="-79"/>
+              </a:rPr>
+              <a:t>Dataset_label_4 scores:</a:t>
+            </a:r>
+          </a:p>
+          <a:p>
+            <a:pPr algn="l" rtl="0">
+              <a:tabLst>
+                <a:tab pos="581660" algn="l"/>
+                <a:tab pos="1163320" algn="l"/>
+                <a:tab pos="1744980" algn="l"/>
+                <a:tab pos="2326640" algn="l"/>
+                <a:tab pos="2908300" algn="l"/>
+                <a:tab pos="3489960" algn="l"/>
+                <a:tab pos="4071620" algn="l"/>
+                <a:tab pos="4653280" algn="l"/>
+                <a:tab pos="5234940" algn="l"/>
+                <a:tab pos="5816600" algn="l"/>
+                <a:tab pos="6398260" algn="l"/>
+                <a:tab pos="6979920" algn="l"/>
+                <a:tab pos="7561580" algn="l"/>
+                <a:tab pos="8143240" algn="l"/>
+                <a:tab pos="8724900" algn="l"/>
+                <a:tab pos="9306560" algn="l"/>
+              </a:tabLst>
+            </a:pPr>
+            <a:r>
+              <a:rPr lang="en-US" sz="1700" dirty="0">
+                <a:latin typeface="Ariel"/>
+                <a:ea typeface="Times New Roman" panose="02020603050405020304" pitchFamily="18" charset="0"/>
+                <a:cs typeface="Miriam" panose="020B0502050101010101" pitchFamily="34" charset="-79"/>
+              </a:rPr>
+              <a:t>	</a:t>
+            </a:r>
+            <a:r>
+              <a:rPr lang="en-US" sz="1700" dirty="0">
+                <a:effectLst/>
+                <a:latin typeface="Ariel"/>
+                <a:ea typeface="Times New Roman" panose="02020603050405020304" pitchFamily="18" charset="0"/>
+                <a:cs typeface="Miriam" panose="020B0502050101010101" pitchFamily="34" charset="-79"/>
+              </a:rPr>
+              <a:t>{'Accuracy': 1.0, 'Precision': 1.0, 'Recall': 1.0, 'F1': 1.0} </a:t>
+            </a:r>
+          </a:p>
+          <a:p>
+            <a:pPr algn="l" rtl="0">
+              <a:tabLst>
+                <a:tab pos="581660" algn="l"/>
+                <a:tab pos="1163320" algn="l"/>
+                <a:tab pos="1744980" algn="l"/>
+                <a:tab pos="2326640" algn="l"/>
+                <a:tab pos="2908300" algn="l"/>
+                <a:tab pos="3489960" algn="l"/>
+                <a:tab pos="4071620" algn="l"/>
+                <a:tab pos="4653280" algn="l"/>
+                <a:tab pos="5234940" algn="l"/>
+                <a:tab pos="5816600" algn="l"/>
+                <a:tab pos="6398260" algn="l"/>
+                <a:tab pos="6979920" algn="l"/>
+                <a:tab pos="7561580" algn="l"/>
+                <a:tab pos="8143240" algn="l"/>
+                <a:tab pos="8724900" algn="l"/>
+                <a:tab pos="9306560" algn="l"/>
+              </a:tabLst>
+            </a:pPr>
+            <a:r>
+              <a:rPr lang="en-US" sz="1700" dirty="0">
+                <a:effectLst/>
+                <a:latin typeface="Ariel"/>
+                <a:ea typeface="Times New Roman" panose="02020603050405020304" pitchFamily="18" charset="0"/>
+                <a:cs typeface="Miriam" panose="020B0502050101010101" pitchFamily="34" charset="-79"/>
+              </a:rPr>
+              <a:t>Dataset_attack_type_3 scores:</a:t>
+            </a:r>
+          </a:p>
+          <a:p>
+            <a:pPr algn="l" rtl="0">
+              <a:tabLst>
+                <a:tab pos="581660" algn="l"/>
+                <a:tab pos="1163320" algn="l"/>
+                <a:tab pos="1744980" algn="l"/>
+                <a:tab pos="2326640" algn="l"/>
+                <a:tab pos="2908300" algn="l"/>
+                <a:tab pos="3489960" algn="l"/>
+                <a:tab pos="4071620" algn="l"/>
+                <a:tab pos="4653280" algn="l"/>
+                <a:tab pos="5234940" algn="l"/>
+                <a:tab pos="5816600" algn="l"/>
+                <a:tab pos="6398260" algn="l"/>
+                <a:tab pos="6979920" algn="l"/>
+                <a:tab pos="7561580" algn="l"/>
+                <a:tab pos="8143240" algn="l"/>
+                <a:tab pos="8724900" algn="l"/>
+                <a:tab pos="9306560" algn="l"/>
+              </a:tabLst>
+            </a:pPr>
+            <a:r>
+              <a:rPr lang="en-US" sz="1700" dirty="0">
+                <a:latin typeface="Ariel"/>
+                <a:ea typeface="Times New Roman" panose="02020603050405020304" pitchFamily="18" charset="0"/>
+                <a:cs typeface="Miriam" panose="020B0502050101010101" pitchFamily="34" charset="-79"/>
+              </a:rPr>
+              <a:t>	</a:t>
+            </a:r>
+            <a:r>
+              <a:rPr lang="en-US" sz="1700" dirty="0">
+                <a:effectLst/>
+                <a:latin typeface="Ariel"/>
+                <a:ea typeface="Times New Roman" panose="02020603050405020304" pitchFamily="18" charset="0"/>
+                <a:cs typeface="Miriam" panose="020B0502050101010101" pitchFamily="34" charset="-79"/>
+              </a:rPr>
+              <a:t>{'Accuracy': 0.9994901960784314, 'Precision': 0.994456527289292, 'Recall': 0.9990763213436606, 'F1': 0.996744711907973} </a:t>
+            </a:r>
+          </a:p>
+          <a:p>
+            <a:pPr algn="l" rtl="0">
+              <a:tabLst>
+                <a:tab pos="581660" algn="l"/>
+                <a:tab pos="1163320" algn="l"/>
+                <a:tab pos="1744980" algn="l"/>
+                <a:tab pos="2326640" algn="l"/>
+                <a:tab pos="2908300" algn="l"/>
+                <a:tab pos="3489960" algn="l"/>
+                <a:tab pos="4071620" algn="l"/>
+                <a:tab pos="4653280" algn="l"/>
+                <a:tab pos="5234940" algn="l"/>
+                <a:tab pos="5816600" algn="l"/>
+                <a:tab pos="6398260" algn="l"/>
+                <a:tab pos="6979920" algn="l"/>
+                <a:tab pos="7561580" algn="l"/>
+                <a:tab pos="8143240" algn="l"/>
+                <a:tab pos="8724900" algn="l"/>
+                <a:tab pos="9306560" algn="l"/>
+              </a:tabLst>
+            </a:pPr>
+            <a:r>
+              <a:rPr lang="en-US" sz="1700" dirty="0">
+                <a:effectLst/>
+                <a:latin typeface="Ariel"/>
+                <a:ea typeface="Times New Roman" panose="02020603050405020304" pitchFamily="18" charset="0"/>
+                <a:cs typeface="Miriam" panose="020B0502050101010101" pitchFamily="34" charset="-79"/>
+              </a:rPr>
+              <a:t>Dataset_attack_type_4 scores:</a:t>
+            </a:r>
+          </a:p>
+          <a:p>
+            <a:pPr algn="l" rtl="0">
+              <a:tabLst>
+                <a:tab pos="581660" algn="l"/>
+                <a:tab pos="1163320" algn="l"/>
+                <a:tab pos="1744980" algn="l"/>
+                <a:tab pos="2326640" algn="l"/>
+                <a:tab pos="2908300" algn="l"/>
+                <a:tab pos="3489960" algn="l"/>
+                <a:tab pos="4071620" algn="l"/>
+                <a:tab pos="4653280" algn="l"/>
+                <a:tab pos="5234940" algn="l"/>
+                <a:tab pos="5816600" algn="l"/>
+                <a:tab pos="6398260" algn="l"/>
+                <a:tab pos="6979920" algn="l"/>
+                <a:tab pos="7561580" algn="l"/>
+                <a:tab pos="8143240" algn="l"/>
+                <a:tab pos="8724900" algn="l"/>
+                <a:tab pos="9306560" algn="l"/>
+              </a:tabLst>
+            </a:pPr>
+            <a:r>
+              <a:rPr lang="en-US" sz="1700" dirty="0">
+                <a:latin typeface="Ariel"/>
+                <a:ea typeface="Times New Roman" panose="02020603050405020304" pitchFamily="18" charset="0"/>
+                <a:cs typeface="Miriam" panose="020B0502050101010101" pitchFamily="34" charset="-79"/>
+              </a:rPr>
+              <a:t>	</a:t>
+            </a:r>
+            <a:r>
+              <a:rPr lang="en-US" sz="1700" dirty="0">
+                <a:effectLst/>
+                <a:latin typeface="Ariel"/>
+                <a:ea typeface="Times New Roman" panose="02020603050405020304" pitchFamily="18" charset="0"/>
+                <a:cs typeface="Miriam" panose="020B0502050101010101" pitchFamily="34" charset="-79"/>
+              </a:rPr>
+              <a:t>{'Accuracy': 0.9996899513223576, 'Precision': 0.9980974124809741, 'Recall': 0.998417449643443, 'F1': 0.9982484905673421}</a:t>
+            </a:r>
+          </a:p>
+          <a:p>
+            <a:pPr algn="l" rtl="0"/>
+            <a:r>
+              <a:rPr lang="en-US" sz="1700" dirty="0">
+                <a:effectLst/>
+                <a:latin typeface="Ariel"/>
+                <a:ea typeface="Times New Roman" panose="02020603050405020304" pitchFamily="18" charset="0"/>
+                <a:cs typeface="Miriam" panose="020B0502050101010101" pitchFamily="34" charset="-79"/>
+              </a:rPr>
+              <a:t> </a:t>
+            </a:r>
+          </a:p>
+        </p:txBody>
+      </p:sp>
+    </p:spTree>
+    <p:extLst>
+      <p:ext uri="{BB962C8B-B14F-4D97-AF65-F5344CB8AC3E}">
+        <p14:creationId xmlns:p14="http://schemas.microsoft.com/office/powerpoint/2010/main" val="2084424000"/>
+      </p:ext>
+    </p:extLst>
+  </p:cSld>
+  <p:clrMapOvr>
+    <a:masterClrMapping/>
+  </p:clrMapOvr>
+  <p:transition spd="slow">
+    <p:push dir="u"/>
+  </p:transition>
+</p:sld>
+</file>
+
+<file path=ppt/slides/slide9.xml><?xml version="1.0" encoding="utf-8"?>
 <p:sld xmlns:a="http://schemas.openxmlformats.org/drawingml/2006/main" xmlns:r="http://schemas.openxmlformats.org/officeDocument/2006/relationships" xmlns:p="http://schemas.openxmlformats.org/presentationml/2006/main">
   <p:cSld>
     <p:spTree>
@@ -20517,21 +21259,21 @@
 </file>
 
 <file path=customXml/item1.xml><?xml version="1.0" encoding="utf-8"?>
+<?mso-contentType ?>
+<FormTemplates xmlns="http://schemas.microsoft.com/sharepoint/v3/contenttype/forms">
+  <Display>DocumentLibraryForm</Display>
+  <Edit>DocumentLibraryForm</Edit>
+  <New>DocumentLibraryForm</New>
+</FormTemplates>
+</file>
+
+<file path=customXml/item2.xml><?xml version="1.0" encoding="utf-8"?>
 <p:properties xmlns:p="http://schemas.microsoft.com/office/2006/metadata/properties" xmlns:xsi="http://www.w3.org/2001/XMLSchema-instance" xmlns:pc="http://schemas.microsoft.com/office/infopath/2007/PartnerControls">
   <documentManagement>
     <Status xmlns="71af3243-3dd4-4a8d-8c0d-dd76da1f02a5">Not started</Status>
     <MediaServiceKeyPoints xmlns="71af3243-3dd4-4a8d-8c0d-dd76da1f02a5" xsi:nil="true"/>
   </documentManagement>
 </p:properties>
-</file>
-
-<file path=customXml/item2.xml><?xml version="1.0" encoding="utf-8"?>
-<?mso-contentType ?>
-<FormTemplates xmlns="http://schemas.microsoft.com/sharepoint/v3/contenttype/forms">
-  <Display>DocumentLibraryForm</Display>
-  <Edit>DocumentLibraryForm</Edit>
-  <New>DocumentLibraryForm</New>
-</FormTemplates>
 </file>
 
 <file path=customXml/item3.xml><?xml version="1.0" encoding="utf-8"?>
@@ -20756,19 +21498,19 @@
 </file>
 
 <file path=customXml/itemProps1.xml><?xml version="1.0" encoding="utf-8"?>
+<ds:datastoreItem xmlns:ds="http://schemas.openxmlformats.org/officeDocument/2006/customXml" ds:itemID="{A0D51BCB-0419-432E-B7F1-25548446A625}">
+  <ds:schemaRefs>
+    <ds:schemaRef ds:uri="http://schemas.microsoft.com/sharepoint/v3/contenttype/forms"/>
+  </ds:schemaRefs>
+</ds:datastoreItem>
+</file>
+
+<file path=customXml/itemProps2.xml><?xml version="1.0" encoding="utf-8"?>
 <ds:datastoreItem xmlns:ds="http://schemas.openxmlformats.org/officeDocument/2006/customXml" ds:itemID="{1F08B90B-70ED-4539-9C14-FB2728D9064F}">
   <ds:schemaRefs>
     <ds:schemaRef ds:uri="http://schemas.microsoft.com/office/2006/metadata/properties"/>
     <ds:schemaRef ds:uri="http://schemas.microsoft.com/office/infopath/2007/PartnerControls"/>
     <ds:schemaRef ds:uri="71af3243-3dd4-4a8d-8c0d-dd76da1f02a5"/>
-  </ds:schemaRefs>
-</ds:datastoreItem>
-</file>
-
-<file path=customXml/itemProps2.xml><?xml version="1.0" encoding="utf-8"?>
-<ds:datastoreItem xmlns:ds="http://schemas.openxmlformats.org/officeDocument/2006/customXml" ds:itemID="{A0D51BCB-0419-432E-B7F1-25548446A625}">
-  <ds:schemaRefs>
-    <ds:schemaRef ds:uri="http://schemas.microsoft.com/sharepoint/v3/contenttype/forms"/>
   </ds:schemaRefs>
 </ds:datastoreItem>
 </file>
